--- a/assets/python-data-script-package.pptx
+++ b/assets/python-data-script-package.pptx
@@ -262,7 +262,7 @@
           <a:p>
             <a:fld id="{6FA4579A-A712-457B-8961-BBA3ED8DDEFC}" type="datetimeFigureOut">
               <a:rPr lang="en-CA" smtClean="0"/>
-              <a:t>2024-04-30</a:t>
+              <a:t>2024-10-28</a:t>
             </a:fld>
             <a:endParaRPr lang="en-CA"/>
           </a:p>
@@ -462,7 +462,7 @@
           <a:p>
             <a:fld id="{6FA4579A-A712-457B-8961-BBA3ED8DDEFC}" type="datetimeFigureOut">
               <a:rPr lang="en-CA" smtClean="0"/>
-              <a:t>2024-04-30</a:t>
+              <a:t>2024-10-28</a:t>
             </a:fld>
             <a:endParaRPr lang="en-CA"/>
           </a:p>
@@ -672,7 +672,7 @@
           <a:p>
             <a:fld id="{6FA4579A-A712-457B-8961-BBA3ED8DDEFC}" type="datetimeFigureOut">
               <a:rPr lang="en-CA" smtClean="0"/>
-              <a:t>2024-04-30</a:t>
+              <a:t>2024-10-28</a:t>
             </a:fld>
             <a:endParaRPr lang="en-CA"/>
           </a:p>
@@ -872,7 +872,7 @@
           <a:p>
             <a:fld id="{6FA4579A-A712-457B-8961-BBA3ED8DDEFC}" type="datetimeFigureOut">
               <a:rPr lang="en-CA" smtClean="0"/>
-              <a:t>2024-04-30</a:t>
+              <a:t>2024-10-28</a:t>
             </a:fld>
             <a:endParaRPr lang="en-CA"/>
           </a:p>
@@ -1148,7 +1148,7 @@
           <a:p>
             <a:fld id="{6FA4579A-A712-457B-8961-BBA3ED8DDEFC}" type="datetimeFigureOut">
               <a:rPr lang="en-CA" smtClean="0"/>
-              <a:t>2024-04-30</a:t>
+              <a:t>2024-10-28</a:t>
             </a:fld>
             <a:endParaRPr lang="en-CA"/>
           </a:p>
@@ -1416,7 +1416,7 @@
           <a:p>
             <a:fld id="{6FA4579A-A712-457B-8961-BBA3ED8DDEFC}" type="datetimeFigureOut">
               <a:rPr lang="en-CA" smtClean="0"/>
-              <a:t>2024-04-30</a:t>
+              <a:t>2024-10-28</a:t>
             </a:fld>
             <a:endParaRPr lang="en-CA"/>
           </a:p>
@@ -1831,7 +1831,7 @@
           <a:p>
             <a:fld id="{6FA4579A-A712-457B-8961-BBA3ED8DDEFC}" type="datetimeFigureOut">
               <a:rPr lang="en-CA" smtClean="0"/>
-              <a:t>2024-04-30</a:t>
+              <a:t>2024-10-28</a:t>
             </a:fld>
             <a:endParaRPr lang="en-CA"/>
           </a:p>
@@ -1973,7 +1973,7 @@
           <a:p>
             <a:fld id="{6FA4579A-A712-457B-8961-BBA3ED8DDEFC}" type="datetimeFigureOut">
               <a:rPr lang="en-CA" smtClean="0"/>
-              <a:t>2024-04-30</a:t>
+              <a:t>2024-10-28</a:t>
             </a:fld>
             <a:endParaRPr lang="en-CA"/>
           </a:p>
@@ -2086,7 +2086,7 @@
           <a:p>
             <a:fld id="{6FA4579A-A712-457B-8961-BBA3ED8DDEFC}" type="datetimeFigureOut">
               <a:rPr lang="en-CA" smtClean="0"/>
-              <a:t>2024-04-30</a:t>
+              <a:t>2024-10-28</a:t>
             </a:fld>
             <a:endParaRPr lang="en-CA"/>
           </a:p>
@@ -2399,7 +2399,7 @@
           <a:p>
             <a:fld id="{6FA4579A-A712-457B-8961-BBA3ED8DDEFC}" type="datetimeFigureOut">
               <a:rPr lang="en-CA" smtClean="0"/>
-              <a:t>2024-04-30</a:t>
+              <a:t>2024-10-28</a:t>
             </a:fld>
             <a:endParaRPr lang="en-CA"/>
           </a:p>
@@ -2688,7 +2688,7 @@
           <a:p>
             <a:fld id="{6FA4579A-A712-457B-8961-BBA3ED8DDEFC}" type="datetimeFigureOut">
               <a:rPr lang="en-CA" smtClean="0"/>
-              <a:t>2024-04-30</a:t>
+              <a:t>2024-10-28</a:t>
             </a:fld>
             <a:endParaRPr lang="en-CA"/>
           </a:p>
@@ -2931,7 +2931,7 @@
           <a:p>
             <a:fld id="{6FA4579A-A712-457B-8961-BBA3ED8DDEFC}" type="datetimeFigureOut">
               <a:rPr lang="en-CA" smtClean="0"/>
-              <a:t>2024-04-30</a:t>
+              <a:t>2024-10-28</a:t>
             </a:fld>
             <a:endParaRPr lang="en-CA"/>
           </a:p>
@@ -3453,7 +3453,14 @@
             <a:pPr algn="ctr"/>
             <a:r>
               <a:rPr lang="en-US" dirty="0"/>
-              <a:t>A Python code file intended to be imported into other scripts/modules. Often contains classes, functions, or constants.</a:t>
+              <a:t>A Python code file intended to be imported into other scripts/packages. </a:t>
+            </a:r>
+            <a:br>
+              <a:rPr lang="en-US" dirty="0"/>
+            </a:br>
+            <a:r>
+              <a:rPr lang="en-US" dirty="0"/>
+              <a:t>They often contains classes, functions, or constants.</a:t>
             </a:r>
           </a:p>
         </p:txBody>
@@ -3626,10 +3633,10 @@
       </p:sp>
       <p:sp>
         <p:nvSpPr>
-          <p:cNvPr id="14" name="Textfeld 13">
-            <a:extLst>
-              <a:ext uri="{FF2B5EF4-FFF2-40B4-BE49-F238E27FC236}">
-                <a16:creationId xmlns:a16="http://schemas.microsoft.com/office/drawing/2014/main" id="{0026F786-D241-36AD-8887-80764F879517}"/>
+          <p:cNvPr id="15" name="Textfeld 14">
+            <a:extLst>
+              <a:ext uri="{FF2B5EF4-FFF2-40B4-BE49-F238E27FC236}">
+                <a16:creationId xmlns:a16="http://schemas.microsoft.com/office/drawing/2014/main" id="{B11C4DE3-2372-7219-F362-AD2AF2426531}"/>
               </a:ext>
             </a:extLst>
           </p:cNvPr>
@@ -3638,8 +3645,8 @@
         </p:nvSpPr>
         <p:spPr>
           <a:xfrm>
-            <a:off x="4641487" y="2935348"/>
-            <a:ext cx="2608891" cy="369332"/>
+            <a:off x="8512218" y="2935348"/>
+            <a:ext cx="2094822" cy="369332"/>
           </a:xfrm>
           <a:prstGeom prst="rect">
             <a:avLst/>
@@ -3652,25 +3659,19 @@
           </a:bodyPr>
           <a:lstStyle/>
           <a:p>
-            <a:pPr algn="ctr"/>
-            <a:r>
-              <a:rPr lang="de-DE" dirty="0" err="1"/>
-              <a:t>python</a:t>
-            </a:r>
-            <a:r>
-              <a:rPr lang="de-DE" dirty="0"/>
-              <a:t> module_name.py</a:t>
-            </a:r>
-            <a:endParaRPr lang="en-CA" dirty="0"/>
-          </a:p>
-        </p:txBody>
-      </p:sp>
-      <p:sp>
-        <p:nvSpPr>
-          <p:cNvPr id="15" name="Textfeld 14">
-            <a:extLst>
-              <a:ext uri="{FF2B5EF4-FFF2-40B4-BE49-F238E27FC236}">
-                <a16:creationId xmlns:a16="http://schemas.microsoft.com/office/drawing/2014/main" id="{B11C4DE3-2372-7219-F362-AD2AF2426531}"/>
+            <a:r>
+              <a:rPr lang="en-US" dirty="0"/>
+              <a:t>colrev   status</a:t>
+            </a:r>
+          </a:p>
+        </p:txBody>
+      </p:sp>
+      <p:sp>
+        <p:nvSpPr>
+          <p:cNvPr id="17" name="Textfeld 16">
+            <a:extLst>
+              <a:ext uri="{FF2B5EF4-FFF2-40B4-BE49-F238E27FC236}">
+                <a16:creationId xmlns:a16="http://schemas.microsoft.com/office/drawing/2014/main" id="{74B049E7-86C7-1D6A-D833-3B311D937D42}"/>
               </a:ext>
             </a:extLst>
           </p:cNvPr>
@@ -3679,13 +3680,18 @@
         </p:nvSpPr>
         <p:spPr>
           <a:xfrm>
-            <a:off x="8612802" y="2935348"/>
-            <a:ext cx="3156758" cy="369332"/>
+            <a:off x="1171210" y="3552575"/>
+            <a:ext cx="3819677" cy="646331"/>
           </a:xfrm>
           <a:prstGeom prst="rect">
             <a:avLst/>
           </a:prstGeom>
-          <a:noFill/>
+          <a:solidFill>
+            <a:schemeClr val="accent4">
+              <a:lumMod val="20000"/>
+              <a:lumOff val="80000"/>
+            </a:schemeClr>
+          </a:solidFill>
         </p:spPr>
         <p:txBody>
           <a:bodyPr wrap="square" rtlCol="0">
@@ -3693,19 +3699,20 @@
           </a:bodyPr>
           <a:lstStyle/>
           <a:p>
+            <a:pPr algn="ctr"/>
             <a:r>
               <a:rPr lang="en-US" dirty="0"/>
-              <a:t>colrev status</a:t>
-            </a:r>
-          </a:p>
-        </p:txBody>
-      </p:sp>
-      <p:sp>
-        <p:nvSpPr>
-          <p:cNvPr id="16" name="Geschweifte Klammer rechts 15">
-            <a:extLst>
-              <a:ext uri="{FF2B5EF4-FFF2-40B4-BE49-F238E27FC236}">
-                <a16:creationId xmlns:a16="http://schemas.microsoft.com/office/drawing/2014/main" id="{06CB87F2-FD65-EC46-E6D8-EF1C99F2703B}"/>
+              <a:t>Note: A absolute or relative path of the Python code file must be provided</a:t>
+            </a:r>
+          </a:p>
+        </p:txBody>
+      </p:sp>
+      <p:sp>
+        <p:nvSpPr>
+          <p:cNvPr id="18" name="Geschweifte Klammer rechts 17">
+            <a:extLst>
+              <a:ext uri="{FF2B5EF4-FFF2-40B4-BE49-F238E27FC236}">
+                <a16:creationId xmlns:a16="http://schemas.microsoft.com/office/drawing/2014/main" id="{3C421362-7690-2470-66A8-13160436FB38}"/>
               </a:ext>
             </a:extLst>
           </p:cNvPr>
@@ -3713,9 +3720,9 @@
           <p:nvPr/>
         </p:nvSpPr>
         <p:spPr>
-          <a:xfrm rot="5400000">
-            <a:off x="4490808" y="757965"/>
-            <a:ext cx="216290" cy="5337724"/>
+          <a:xfrm rot="16200000" flipV="1">
+            <a:off x="8742435" y="2528280"/>
+            <a:ext cx="196627" cy="793418"/>
           </a:xfrm>
           <a:prstGeom prst="rightBrace">
             <a:avLst/>
@@ -3740,52 +3747,16 @@
           <a:lstStyle/>
           <a:p>
             <a:pPr algn="ctr"/>
-            <a:endParaRPr lang="en-CA"/>
-          </a:p>
-        </p:txBody>
-      </p:sp>
-      <p:sp>
-        <p:nvSpPr>
-          <p:cNvPr id="17" name="Textfeld 16">
-            <a:extLst>
-              <a:ext uri="{FF2B5EF4-FFF2-40B4-BE49-F238E27FC236}">
-                <a16:creationId xmlns:a16="http://schemas.microsoft.com/office/drawing/2014/main" id="{74B049E7-86C7-1D6A-D833-3B311D937D42}"/>
-              </a:ext>
-            </a:extLst>
-          </p:cNvPr>
-          <p:cNvSpPr txBox="1"/>
-          <p:nvPr/>
-        </p:nvSpPr>
-        <p:spPr>
-          <a:xfrm>
-            <a:off x="2498130" y="3684654"/>
-            <a:ext cx="4201645" cy="646331"/>
-          </a:xfrm>
-          <a:prstGeom prst="rect">
-            <a:avLst/>
-          </a:prstGeom>
-          <a:noFill/>
-        </p:spPr>
-        <p:txBody>
-          <a:bodyPr wrap="square" rtlCol="0">
-            <a:spAutoFit/>
-          </a:bodyPr>
-          <a:lstStyle/>
-          <a:p>
-            <a:pPr algn="ctr"/>
-            <a:r>
-              <a:rPr lang="en-US" dirty="0"/>
-              <a:t>A absolute or relative path of the Python code file must be provided</a:t>
-            </a:r>
-          </a:p>
-        </p:txBody>
-      </p:sp>
-      <p:sp>
-        <p:nvSpPr>
-          <p:cNvPr id="18" name="Geschweifte Klammer rechts 17">
-            <a:extLst>
-              <a:ext uri="{FF2B5EF4-FFF2-40B4-BE49-F238E27FC236}">
-                <a16:creationId xmlns:a16="http://schemas.microsoft.com/office/drawing/2014/main" id="{3C421362-7690-2470-66A8-13160436FB38}"/>
+            <a:endParaRPr lang="en-CA" dirty="0"/>
+          </a:p>
+        </p:txBody>
+      </p:sp>
+      <p:sp>
+        <p:nvSpPr>
+          <p:cNvPr id="19" name="Geschweifte Klammer rechts 18">
+            <a:extLst>
+              <a:ext uri="{FF2B5EF4-FFF2-40B4-BE49-F238E27FC236}">
+                <a16:creationId xmlns:a16="http://schemas.microsoft.com/office/drawing/2014/main" id="{E715540D-6C28-1A25-792D-B5D8F1C36DBD}"/>
               </a:ext>
             </a:extLst>
           </p:cNvPr>
@@ -3794,7 +3765,7 @@
         </p:nvSpPr>
         <p:spPr>
           <a:xfrm rot="16200000" flipV="1">
-            <a:off x="8742435" y="2528280"/>
+            <a:off x="9647502" y="2528280"/>
             <a:ext cx="196627" cy="793418"/>
           </a:xfrm>
           <a:prstGeom prst="rightBrace">
@@ -3826,50 +3797,6 @@
       </p:sp>
       <p:sp>
         <p:nvSpPr>
-          <p:cNvPr id="19" name="Geschweifte Klammer rechts 18">
-            <a:extLst>
-              <a:ext uri="{FF2B5EF4-FFF2-40B4-BE49-F238E27FC236}">
-                <a16:creationId xmlns:a16="http://schemas.microsoft.com/office/drawing/2014/main" id="{E715540D-6C28-1A25-792D-B5D8F1C36DBD}"/>
-              </a:ext>
-            </a:extLst>
-          </p:cNvPr>
-          <p:cNvSpPr/>
-          <p:nvPr/>
-        </p:nvSpPr>
-        <p:spPr>
-          <a:xfrm rot="16200000" flipV="1">
-            <a:off x="9647502" y="2528280"/>
-            <a:ext cx="196627" cy="793418"/>
-          </a:xfrm>
-          <a:prstGeom prst="rightBrace">
-            <a:avLst/>
-          </a:prstGeom>
-        </p:spPr>
-        <p:style>
-          <a:lnRef idx="1">
-            <a:schemeClr val="dk1"/>
-          </a:lnRef>
-          <a:fillRef idx="0">
-            <a:schemeClr val="dk1"/>
-          </a:fillRef>
-          <a:effectRef idx="0">
-            <a:schemeClr val="dk1"/>
-          </a:effectRef>
-          <a:fontRef idx="minor">
-            <a:schemeClr val="tx1"/>
-          </a:fontRef>
-        </p:style>
-        <p:txBody>
-          <a:bodyPr rtlCol="0" anchor="ctr"/>
-          <a:lstStyle/>
-          <a:p>
-            <a:pPr algn="ctr"/>
-            <a:endParaRPr lang="en-CA" dirty="0"/>
-          </a:p>
-        </p:txBody>
-      </p:sp>
-      <p:sp>
-        <p:nvSpPr>
           <p:cNvPr id="20" name="Textfeld 19">
             <a:extLst>
               <a:ext uri="{FF2B5EF4-FFF2-40B4-BE49-F238E27FC236}">
@@ -3952,13 +3879,18 @@
         </p:nvSpPr>
         <p:spPr>
           <a:xfrm>
-            <a:off x="7476530" y="3684654"/>
-            <a:ext cx="4201645" cy="646331"/>
+            <a:off x="7287822" y="3552575"/>
+            <a:ext cx="4268164" cy="693712"/>
           </a:xfrm>
           <a:prstGeom prst="rect">
             <a:avLst/>
           </a:prstGeom>
-          <a:noFill/>
+          <a:solidFill>
+            <a:schemeClr val="accent4">
+              <a:lumMod val="20000"/>
+              <a:lumOff val="80000"/>
+            </a:schemeClr>
+          </a:solidFill>
         </p:spPr>
         <p:txBody>
           <a:bodyPr wrap="square" rtlCol="0">
@@ -3969,52 +3901,8 @@
             <a:pPr algn="ctr"/>
             <a:r>
               <a:rPr lang="en-US" dirty="0"/>
-              <a:t>Convenient: no need to know or provide the path where the package is located</a:t>
-            </a:r>
-          </a:p>
-        </p:txBody>
-      </p:sp>
-      <p:sp>
-        <p:nvSpPr>
-          <p:cNvPr id="23" name="Geschweifte Klammer rechts 22">
-            <a:extLst>
-              <a:ext uri="{FF2B5EF4-FFF2-40B4-BE49-F238E27FC236}">
-                <a16:creationId xmlns:a16="http://schemas.microsoft.com/office/drawing/2014/main" id="{7DFCEE30-7471-8DCC-D949-1906917FCACA}"/>
-              </a:ext>
-            </a:extLst>
-          </p:cNvPr>
-          <p:cNvSpPr/>
-          <p:nvPr/>
-        </p:nvSpPr>
-        <p:spPr>
-          <a:xfrm rot="5400000">
-            <a:off x="9469208" y="1632368"/>
-            <a:ext cx="216290" cy="3588918"/>
-          </a:xfrm>
-          <a:prstGeom prst="rightBrace">
-            <a:avLst/>
-          </a:prstGeom>
-        </p:spPr>
-        <p:style>
-          <a:lnRef idx="1">
-            <a:schemeClr val="dk1"/>
-          </a:lnRef>
-          <a:fillRef idx="0">
-            <a:schemeClr val="dk1"/>
-          </a:fillRef>
-          <a:effectRef idx="0">
-            <a:schemeClr val="dk1"/>
-          </a:effectRef>
-          <a:fontRef idx="minor">
-            <a:schemeClr val="tx1"/>
-          </a:fontRef>
-        </p:style>
-        <p:txBody>
-          <a:bodyPr rtlCol="0" anchor="ctr"/>
-          <a:lstStyle/>
-          <a:p>
-            <a:pPr algn="ctr"/>
-            <a:endParaRPr lang="en-CA"/>
+              <a:t>Note: It is not necessary to specify the path where the package is located (convenient)</a:t>
+            </a:r>
           </a:p>
         </p:txBody>
       </p:sp>
@@ -4928,6 +4816,244 @@
           </a:graphicData>
         </a:graphic>
       </p:graphicFrame>
+      <p:sp>
+        <p:nvSpPr>
+          <p:cNvPr id="8" name="Textfeld 7">
+            <a:extLst>
+              <a:ext uri="{FF2B5EF4-FFF2-40B4-BE49-F238E27FC236}">
+                <a16:creationId xmlns:a16="http://schemas.microsoft.com/office/drawing/2014/main" id="{757ED147-10E8-1DE7-6448-2C190DD57F24}"/>
+              </a:ext>
+            </a:extLst>
+          </p:cNvPr>
+          <p:cNvSpPr txBox="1"/>
+          <p:nvPr/>
+        </p:nvSpPr>
+        <p:spPr>
+          <a:xfrm>
+            <a:off x="9669819" y="1158727"/>
+            <a:ext cx="2549613" cy="369332"/>
+          </a:xfrm>
+          <a:prstGeom prst="rect">
+            <a:avLst/>
+          </a:prstGeom>
+          <a:noFill/>
+        </p:spPr>
+        <p:txBody>
+          <a:bodyPr wrap="square" rtlCol="0">
+            <a:spAutoFit/>
+          </a:bodyPr>
+          <a:lstStyle/>
+          <a:p>
+            <a:r>
+              <a:rPr lang="en-US" dirty="0"/>
+              <a:t>Package metadata</a:t>
+            </a:r>
+          </a:p>
+        </p:txBody>
+      </p:sp>
+      <p:sp>
+        <p:nvSpPr>
+          <p:cNvPr id="9" name="Textfeld 8">
+            <a:extLst>
+              <a:ext uri="{FF2B5EF4-FFF2-40B4-BE49-F238E27FC236}">
+                <a16:creationId xmlns:a16="http://schemas.microsoft.com/office/drawing/2014/main" id="{EE45E8BA-31DB-4A37-9708-95DC3442ECD0}"/>
+              </a:ext>
+            </a:extLst>
+          </p:cNvPr>
+          <p:cNvSpPr txBox="1"/>
+          <p:nvPr/>
+        </p:nvSpPr>
+        <p:spPr>
+          <a:xfrm>
+            <a:off x="9669819" y="2299628"/>
+            <a:ext cx="2549613" cy="369332"/>
+          </a:xfrm>
+          <a:prstGeom prst="rect">
+            <a:avLst/>
+          </a:prstGeom>
+          <a:noFill/>
+        </p:spPr>
+        <p:txBody>
+          <a:bodyPr wrap="square" rtlCol="0">
+            <a:spAutoFit/>
+          </a:bodyPr>
+          <a:lstStyle/>
+          <a:p>
+            <a:r>
+              <a:rPr lang="en-US" dirty="0" err="1"/>
+              <a:t>Entrypoints</a:t>
+            </a:r>
+            <a:endParaRPr lang="en-US" dirty="0"/>
+          </a:p>
+        </p:txBody>
+      </p:sp>
+      <p:sp>
+        <p:nvSpPr>
+          <p:cNvPr id="10" name="Textfeld 9">
+            <a:extLst>
+              <a:ext uri="{FF2B5EF4-FFF2-40B4-BE49-F238E27FC236}">
+                <a16:creationId xmlns:a16="http://schemas.microsoft.com/office/drawing/2014/main" id="{B1AC5D86-7F23-F9B9-6C7E-B8DC98B34574}"/>
+              </a:ext>
+            </a:extLst>
+          </p:cNvPr>
+          <p:cNvSpPr txBox="1"/>
+          <p:nvPr/>
+        </p:nvSpPr>
+        <p:spPr>
+          <a:xfrm>
+            <a:off x="9669819" y="3173653"/>
+            <a:ext cx="2549613" cy="369332"/>
+          </a:xfrm>
+          <a:prstGeom prst="rect">
+            <a:avLst/>
+          </a:prstGeom>
+          <a:noFill/>
+        </p:spPr>
+        <p:txBody>
+          <a:bodyPr wrap="square" rtlCol="0">
+            <a:spAutoFit/>
+          </a:bodyPr>
+          <a:lstStyle/>
+          <a:p>
+            <a:r>
+              <a:rPr lang="en-US" dirty="0"/>
+              <a:t>Dependencies</a:t>
+            </a:r>
+          </a:p>
+        </p:txBody>
+      </p:sp>
+      <p:sp>
+        <p:nvSpPr>
+          <p:cNvPr id="11" name="Geschweifte Klammer rechts 10">
+            <a:extLst>
+              <a:ext uri="{FF2B5EF4-FFF2-40B4-BE49-F238E27FC236}">
+                <a16:creationId xmlns:a16="http://schemas.microsoft.com/office/drawing/2014/main" id="{E5D46671-D074-9703-36E0-33FA86C4BFD1}"/>
+              </a:ext>
+            </a:extLst>
+          </p:cNvPr>
+          <p:cNvSpPr/>
+          <p:nvPr/>
+        </p:nvSpPr>
+        <p:spPr>
+          <a:xfrm flipV="1">
+            <a:off x="9445758" y="946684"/>
+            <a:ext cx="196627" cy="793418"/>
+          </a:xfrm>
+          <a:prstGeom prst="rightBrace">
+            <a:avLst/>
+          </a:prstGeom>
+        </p:spPr>
+        <p:style>
+          <a:lnRef idx="1">
+            <a:schemeClr val="dk1"/>
+          </a:lnRef>
+          <a:fillRef idx="0">
+            <a:schemeClr val="dk1"/>
+          </a:fillRef>
+          <a:effectRef idx="0">
+            <a:schemeClr val="dk1"/>
+          </a:effectRef>
+          <a:fontRef idx="minor">
+            <a:schemeClr val="tx1"/>
+          </a:fontRef>
+        </p:style>
+        <p:txBody>
+          <a:bodyPr rtlCol="0" anchor="ctr"/>
+          <a:lstStyle/>
+          <a:p>
+            <a:pPr algn="ctr"/>
+            <a:endParaRPr lang="en-CA" dirty="0"/>
+          </a:p>
+        </p:txBody>
+      </p:sp>
+      <p:sp>
+        <p:nvSpPr>
+          <p:cNvPr id="12" name="Geschweifte Klammer rechts 11">
+            <a:extLst>
+              <a:ext uri="{FF2B5EF4-FFF2-40B4-BE49-F238E27FC236}">
+                <a16:creationId xmlns:a16="http://schemas.microsoft.com/office/drawing/2014/main" id="{2857613E-5B8A-1D41-0336-4431BC37D1D5}"/>
+              </a:ext>
+            </a:extLst>
+          </p:cNvPr>
+          <p:cNvSpPr/>
+          <p:nvPr/>
+        </p:nvSpPr>
+        <p:spPr>
+          <a:xfrm flipV="1">
+            <a:off x="9445757" y="2091861"/>
+            <a:ext cx="196627" cy="793418"/>
+          </a:xfrm>
+          <a:prstGeom prst="rightBrace">
+            <a:avLst/>
+          </a:prstGeom>
+        </p:spPr>
+        <p:style>
+          <a:lnRef idx="1">
+            <a:schemeClr val="dk1"/>
+          </a:lnRef>
+          <a:fillRef idx="0">
+            <a:schemeClr val="dk1"/>
+          </a:fillRef>
+          <a:effectRef idx="0">
+            <a:schemeClr val="dk1"/>
+          </a:effectRef>
+          <a:fontRef idx="minor">
+            <a:schemeClr val="tx1"/>
+          </a:fontRef>
+        </p:style>
+        <p:txBody>
+          <a:bodyPr rtlCol="0" anchor="ctr"/>
+          <a:lstStyle/>
+          <a:p>
+            <a:pPr algn="ctr"/>
+            <a:endParaRPr lang="en-CA" dirty="0"/>
+          </a:p>
+        </p:txBody>
+      </p:sp>
+      <p:sp>
+        <p:nvSpPr>
+          <p:cNvPr id="13" name="Geschweifte Klammer rechts 12">
+            <a:extLst>
+              <a:ext uri="{FF2B5EF4-FFF2-40B4-BE49-F238E27FC236}">
+                <a16:creationId xmlns:a16="http://schemas.microsoft.com/office/drawing/2014/main" id="{2CB204D0-5A23-D15B-0A5A-E0A24A11360D}"/>
+              </a:ext>
+            </a:extLst>
+          </p:cNvPr>
+          <p:cNvSpPr/>
+          <p:nvPr/>
+        </p:nvSpPr>
+        <p:spPr>
+          <a:xfrm flipV="1">
+            <a:off x="9445799" y="2961610"/>
+            <a:ext cx="196627" cy="793418"/>
+          </a:xfrm>
+          <a:prstGeom prst="rightBrace">
+            <a:avLst/>
+          </a:prstGeom>
+        </p:spPr>
+        <p:style>
+          <a:lnRef idx="1">
+            <a:schemeClr val="dk1"/>
+          </a:lnRef>
+          <a:fillRef idx="0">
+            <a:schemeClr val="dk1"/>
+          </a:fillRef>
+          <a:effectRef idx="0">
+            <a:schemeClr val="dk1"/>
+          </a:effectRef>
+          <a:fontRef idx="minor">
+            <a:schemeClr val="tx1"/>
+          </a:fontRef>
+        </p:style>
+        <p:txBody>
+          <a:bodyPr rtlCol="0" anchor="ctr"/>
+          <a:lstStyle/>
+          <a:p>
+            <a:pPr algn="ctr"/>
+            <a:endParaRPr lang="en-CA" dirty="0"/>
+          </a:p>
+        </p:txBody>
+      </p:sp>
     </p:spTree>
     <p:extLst>
       <p:ext uri="{BB962C8B-B14F-4D97-AF65-F5344CB8AC3E}">
